--- a/images/theory_analysis/AWS_EKS_인증/AWS_EKS_인증.pptx
+++ b/images/theory_analysis/AWS_EKS_인증/AWS_EKS_인증.pptx
@@ -215,7 +215,7 @@
           <a:p>
             <a:fld id="{6CD5550B-26C4-49A9-A5BA-636EF7BE6CE9}" type="datetimeFigureOut">
               <a:rPr lang="ko-KR" altLang="en-US" smtClean="0"/>
-              <a:t>2022-04-27</a:t>
+              <a:t>2022-04-28</a:t>
             </a:fld>
             <a:endParaRPr lang="ko-KR" altLang="en-US"/>
           </a:p>
@@ -661,7 +661,7 @@
           <a:p>
             <a:fld id="{FB30EDBD-1C2D-4C1E-B459-B60219FAB484}" type="datetimeFigureOut">
               <a:rPr lang="ko-KR" altLang="en-US" smtClean="0"/>
-              <a:t>2022-04-27</a:t>
+              <a:t>2022-04-28</a:t>
             </a:fld>
             <a:endParaRPr lang="ko-KR" altLang="en-US"/>
           </a:p>
@@ -824,7 +824,7 @@
           <a:p>
             <a:fld id="{FB30EDBD-1C2D-4C1E-B459-B60219FAB484}" type="datetimeFigureOut">
               <a:rPr lang="ko-KR" altLang="en-US" smtClean="0"/>
-              <a:t>2022-04-27</a:t>
+              <a:t>2022-04-28</a:t>
             </a:fld>
             <a:endParaRPr lang="ko-KR" altLang="en-US"/>
           </a:p>
@@ -997,7 +997,7 @@
           <a:p>
             <a:fld id="{FB30EDBD-1C2D-4C1E-B459-B60219FAB484}" type="datetimeFigureOut">
               <a:rPr lang="ko-KR" altLang="en-US" smtClean="0"/>
-              <a:t>2022-04-27</a:t>
+              <a:t>2022-04-28</a:t>
             </a:fld>
             <a:endParaRPr lang="ko-KR" altLang="en-US"/>
           </a:p>
@@ -1160,7 +1160,7 @@
           <a:p>
             <a:fld id="{FB30EDBD-1C2D-4C1E-B459-B60219FAB484}" type="datetimeFigureOut">
               <a:rPr lang="ko-KR" altLang="en-US" smtClean="0"/>
-              <a:t>2022-04-27</a:t>
+              <a:t>2022-04-28</a:t>
             </a:fld>
             <a:endParaRPr lang="ko-KR" altLang="en-US"/>
           </a:p>
@@ -1400,7 +1400,7 @@
           <a:p>
             <a:fld id="{FB30EDBD-1C2D-4C1E-B459-B60219FAB484}" type="datetimeFigureOut">
               <a:rPr lang="ko-KR" altLang="en-US" smtClean="0"/>
-              <a:t>2022-04-27</a:t>
+              <a:t>2022-04-28</a:t>
             </a:fld>
             <a:endParaRPr lang="ko-KR" altLang="en-US"/>
           </a:p>
@@ -1680,7 +1680,7 @@
           <a:p>
             <a:fld id="{FB30EDBD-1C2D-4C1E-B459-B60219FAB484}" type="datetimeFigureOut">
               <a:rPr lang="ko-KR" altLang="en-US" smtClean="0"/>
-              <a:t>2022-04-27</a:t>
+              <a:t>2022-04-28</a:t>
             </a:fld>
             <a:endParaRPr lang="ko-KR" altLang="en-US"/>
           </a:p>
@@ -2094,7 +2094,7 @@
           <a:p>
             <a:fld id="{FB30EDBD-1C2D-4C1E-B459-B60219FAB484}" type="datetimeFigureOut">
               <a:rPr lang="ko-KR" altLang="en-US" smtClean="0"/>
-              <a:t>2022-04-27</a:t>
+              <a:t>2022-04-28</a:t>
             </a:fld>
             <a:endParaRPr lang="ko-KR" altLang="en-US"/>
           </a:p>
@@ -2206,7 +2206,7 @@
           <a:p>
             <a:fld id="{FB30EDBD-1C2D-4C1E-B459-B60219FAB484}" type="datetimeFigureOut">
               <a:rPr lang="ko-KR" altLang="en-US" smtClean="0"/>
-              <a:t>2022-04-27</a:t>
+              <a:t>2022-04-28</a:t>
             </a:fld>
             <a:endParaRPr lang="ko-KR" altLang="en-US"/>
           </a:p>
@@ -2296,7 +2296,7 @@
           <a:p>
             <a:fld id="{FB30EDBD-1C2D-4C1E-B459-B60219FAB484}" type="datetimeFigureOut">
               <a:rPr lang="ko-KR" altLang="en-US" smtClean="0"/>
-              <a:t>2022-04-27</a:t>
+              <a:t>2022-04-28</a:t>
             </a:fld>
             <a:endParaRPr lang="ko-KR" altLang="en-US"/>
           </a:p>
@@ -2566,7 +2566,7 @@
           <a:p>
             <a:fld id="{FB30EDBD-1C2D-4C1E-B459-B60219FAB484}" type="datetimeFigureOut">
               <a:rPr lang="ko-KR" altLang="en-US" smtClean="0"/>
-              <a:t>2022-04-27</a:t>
+              <a:t>2022-04-28</a:t>
             </a:fld>
             <a:endParaRPr lang="ko-KR" altLang="en-US"/>
           </a:p>
@@ -2813,7 +2813,7 @@
           <a:p>
             <a:fld id="{FB30EDBD-1C2D-4C1E-B459-B60219FAB484}" type="datetimeFigureOut">
               <a:rPr lang="ko-KR" altLang="en-US" smtClean="0"/>
-              <a:t>2022-04-27</a:t>
+              <a:t>2022-04-28</a:t>
             </a:fld>
             <a:endParaRPr lang="ko-KR" altLang="en-US"/>
           </a:p>
@@ -3019,7 +3019,7 @@
           <a:p>
             <a:fld id="{FB30EDBD-1C2D-4C1E-B459-B60219FAB484}" type="datetimeFigureOut">
               <a:rPr lang="ko-KR" altLang="en-US" smtClean="0"/>
-              <a:t>2022-04-27</a:t>
+              <a:t>2022-04-28</a:t>
             </a:fld>
             <a:endParaRPr lang="ko-KR" altLang="en-US"/>
           </a:p>
@@ -5190,8 +5190,8 @@
         </p:nvSpPr>
         <p:spPr>
           <a:xfrm>
-            <a:off x="5528266" y="2952882"/>
-            <a:ext cx="1700021" cy="261610"/>
+            <a:off x="5597747" y="2868244"/>
+            <a:ext cx="1700021" cy="430887"/>
           </a:xfrm>
           <a:prstGeom prst="rect">
             <a:avLst/>
@@ -5203,6 +5203,17 @@
             <a:spAutoFit/>
           </a:bodyPr>
           <a:lstStyle/>
+          <a:p>
+            <a:pPr algn="ctr"/>
+            <a:r>
+              <a:rPr lang="en-US" altLang="ko-KR" sz="1100">
+                <a:solidFill>
+                  <a:schemeClr val="tx2"/>
+                </a:solidFill>
+              </a:rPr>
+              <a:t>EKS Cluster</a:t>
+            </a:r>
+          </a:p>
           <a:p>
             <a:pPr algn="ctr"/>
             <a:r>
@@ -5340,8 +5351,8 @@
         </p:nvSpPr>
         <p:spPr>
           <a:xfrm>
-            <a:off x="5373582" y="1909220"/>
-            <a:ext cx="1276270" cy="261610"/>
+            <a:off x="5610099" y="1824582"/>
+            <a:ext cx="1276270" cy="430887"/>
           </a:xfrm>
           <a:prstGeom prst="rect">
             <a:avLst/>
@@ -5361,7 +5372,7 @@
                   <a:schemeClr val="tx2"/>
                 </a:solidFill>
               </a:rPr>
-              <a:t>Identity</a:t>
+              <a:t>Identity (AWS IAM User/Role)</a:t>
             </a:r>
             <a:endParaRPr lang="ko-KR" altLang="en-US" sz="1100">
               <a:solidFill>
